--- a/documentation/TravelingSalesman.pptx
+++ b/documentation/TravelingSalesman.pptx
@@ -5,7 +5,14 @@
     <p:sldMasterId id="2147483648" r:id="rId1"/>
   </p:sldMasterIdLst>
   <p:sldIdLst>
-    <p:sldId id="256" r:id="rId2"/>
+    <p:sldId id="258" r:id="rId2"/>
+    <p:sldId id="264" r:id="rId3"/>
+    <p:sldId id="263" r:id="rId4"/>
+    <p:sldId id="256" r:id="rId5"/>
+    <p:sldId id="261" r:id="rId6"/>
+    <p:sldId id="262" r:id="rId7"/>
+    <p:sldId id="260" r:id="rId8"/>
+    <p:sldId id="259" r:id="rId9"/>
   </p:sldIdLst>
   <p:sldSz cx="12192000" cy="6858000"/>
   <p:notesSz cx="6858000" cy="9144000"/>
@@ -104,6 +111,11 @@
       </a:defRPr>
     </a:lvl9pPr>
   </p:defaultTextStyle>
+  <p:extLst>
+    <p:ext uri="{EFAFB233-063F-42B5-8137-9DF3F51BA10A}">
+      <p15:sldGuideLst xmlns:p15="http://schemas.microsoft.com/office/powerpoint/2012/main"/>
+    </p:ext>
+  </p:extLst>
 </p:presentation>
 </file>
 
@@ -238,7 +250,7 @@
           <a:p>
             <a:fld id="{4902DCE0-78F1-4071-ABEF-FCDD67EA1676}" type="datetimeFigureOut">
               <a:rPr lang="en-US" smtClean="0"/>
-              <a:t>4/16/2019</a:t>
+              <a:t>4/23/2019</a:t>
             </a:fld>
             <a:endParaRPr lang="en-US"/>
           </a:p>
@@ -408,7 +420,7 @@
           <a:p>
             <a:fld id="{4902DCE0-78F1-4071-ABEF-FCDD67EA1676}" type="datetimeFigureOut">
               <a:rPr lang="en-US" smtClean="0"/>
-              <a:t>4/16/2019</a:t>
+              <a:t>4/23/2019</a:t>
             </a:fld>
             <a:endParaRPr lang="en-US"/>
           </a:p>
@@ -588,7 +600,7 @@
           <a:p>
             <a:fld id="{4902DCE0-78F1-4071-ABEF-FCDD67EA1676}" type="datetimeFigureOut">
               <a:rPr lang="en-US" smtClean="0"/>
-              <a:t>4/16/2019</a:t>
+              <a:t>4/23/2019</a:t>
             </a:fld>
             <a:endParaRPr lang="en-US"/>
           </a:p>
@@ -758,7 +770,7 @@
           <a:p>
             <a:fld id="{4902DCE0-78F1-4071-ABEF-FCDD67EA1676}" type="datetimeFigureOut">
               <a:rPr lang="en-US" smtClean="0"/>
-              <a:t>4/16/2019</a:t>
+              <a:t>4/23/2019</a:t>
             </a:fld>
             <a:endParaRPr lang="en-US"/>
           </a:p>
@@ -1004,7 +1016,7 @@
           <a:p>
             <a:fld id="{4902DCE0-78F1-4071-ABEF-FCDD67EA1676}" type="datetimeFigureOut">
               <a:rPr lang="en-US" smtClean="0"/>
-              <a:t>4/16/2019</a:t>
+              <a:t>4/23/2019</a:t>
             </a:fld>
             <a:endParaRPr lang="en-US"/>
           </a:p>
@@ -1236,7 +1248,7 @@
           <a:p>
             <a:fld id="{4902DCE0-78F1-4071-ABEF-FCDD67EA1676}" type="datetimeFigureOut">
               <a:rPr lang="en-US" smtClean="0"/>
-              <a:t>4/16/2019</a:t>
+              <a:t>4/23/2019</a:t>
             </a:fld>
             <a:endParaRPr lang="en-US"/>
           </a:p>
@@ -1603,7 +1615,7 @@
           <a:p>
             <a:fld id="{4902DCE0-78F1-4071-ABEF-FCDD67EA1676}" type="datetimeFigureOut">
               <a:rPr lang="en-US" smtClean="0"/>
-              <a:t>4/16/2019</a:t>
+              <a:t>4/23/2019</a:t>
             </a:fld>
             <a:endParaRPr lang="en-US"/>
           </a:p>
@@ -1721,7 +1733,7 @@
           <a:p>
             <a:fld id="{4902DCE0-78F1-4071-ABEF-FCDD67EA1676}" type="datetimeFigureOut">
               <a:rPr lang="en-US" smtClean="0"/>
-              <a:t>4/16/2019</a:t>
+              <a:t>4/23/2019</a:t>
             </a:fld>
             <a:endParaRPr lang="en-US"/>
           </a:p>
@@ -1816,7 +1828,7 @@
           <a:p>
             <a:fld id="{4902DCE0-78F1-4071-ABEF-FCDD67EA1676}" type="datetimeFigureOut">
               <a:rPr lang="en-US" smtClean="0"/>
-              <a:t>4/16/2019</a:t>
+              <a:t>4/23/2019</a:t>
             </a:fld>
             <a:endParaRPr lang="en-US"/>
           </a:p>
@@ -2093,7 +2105,7 @@
           <a:p>
             <a:fld id="{4902DCE0-78F1-4071-ABEF-FCDD67EA1676}" type="datetimeFigureOut">
               <a:rPr lang="en-US" smtClean="0"/>
-              <a:t>4/16/2019</a:t>
+              <a:t>4/23/2019</a:t>
             </a:fld>
             <a:endParaRPr lang="en-US"/>
           </a:p>
@@ -2346,7 +2358,7 @@
           <a:p>
             <a:fld id="{4902DCE0-78F1-4071-ABEF-FCDD67EA1676}" type="datetimeFigureOut">
               <a:rPr lang="en-US" smtClean="0"/>
-              <a:t>4/16/2019</a:t>
+              <a:t>4/23/2019</a:t>
             </a:fld>
             <a:endParaRPr lang="en-US"/>
           </a:p>
@@ -2559,7 +2571,7 @@
           <a:p>
             <a:fld id="{4902DCE0-78F1-4071-ABEF-FCDD67EA1676}" type="datetimeFigureOut">
               <a:rPr lang="en-US" smtClean="0"/>
-              <a:t>4/16/2019</a:t>
+              <a:t>4/23/2019</a:t>
             </a:fld>
             <a:endParaRPr lang="en-US"/>
           </a:p>
@@ -2971,6 +2983,462 @@
             <a:spLocks noGrp="1"/>
           </p:cNvSpPr>
           <p:nvPr>
+            <p:ph type="title"/>
+          </p:nvPr>
+        </p:nvSpPr>
+        <p:spPr>
+          <a:xfrm>
+            <a:off x="838200" y="365125"/>
+            <a:ext cx="10941908" cy="1325563"/>
+          </a:xfrm>
+        </p:spPr>
+        <p:txBody>
+          <a:bodyPr>
+            <a:normAutofit/>
+          </a:bodyPr>
+          <a:lstStyle/>
+          <a:p>
+            <a:pPr algn="ctr"/>
+            <a:r>
+              <a:rPr lang="en-US" b="1" dirty="0"/>
+              <a:t>Biologically Inspired Artificial Intelligence </a:t>
+            </a:r>
+            <a:r>
+              <a:rPr lang="en-US" b="1" dirty="0" smtClean="0"/>
+              <a:t>Project</a:t>
+            </a:r>
+            <a:endParaRPr lang="en-US" b="1" dirty="0"/>
+          </a:p>
+        </p:txBody>
+      </p:sp>
+      <p:sp>
+        <p:nvSpPr>
+          <p:cNvPr id="3" name="Symbol zastępczy zawartości 2"/>
+          <p:cNvSpPr>
+            <a:spLocks noGrp="1"/>
+          </p:cNvSpPr>
+          <p:nvPr>
+            <p:ph idx="1"/>
+          </p:nvPr>
+        </p:nvSpPr>
+        <p:spPr/>
+        <p:txBody>
+          <a:bodyPr/>
+          <a:lstStyle/>
+          <a:p>
+            <a:pPr marL="0" indent="0">
+              <a:buNone/>
+            </a:pPr>
+            <a:endParaRPr lang="en-US" dirty="0"/>
+          </a:p>
+          <a:p>
+            <a:pPr marL="0" indent="0" algn="ctr">
+              <a:buNone/>
+            </a:pPr>
+            <a:endParaRPr lang="en-US" sz="4400" dirty="0"/>
+          </a:p>
+          <a:p>
+            <a:pPr marL="0" indent="0" algn="ctr">
+              <a:buNone/>
+            </a:pPr>
+            <a:r>
+              <a:rPr lang="en-US" sz="4400" dirty="0" smtClean="0"/>
+              <a:t>Traveling </a:t>
+            </a:r>
+            <a:r>
+              <a:rPr lang="en-US" sz="4400" dirty="0"/>
+              <a:t>Salesman with Genetic </a:t>
+            </a:r>
+            <a:r>
+              <a:rPr lang="en-US" sz="4400" dirty="0" smtClean="0"/>
+              <a:t>Algorithm</a:t>
+            </a:r>
+          </a:p>
+          <a:p>
+            <a:pPr marL="0" indent="0" algn="ctr">
+              <a:buNone/>
+            </a:pPr>
+            <a:endParaRPr lang="en-US" dirty="0"/>
+          </a:p>
+          <a:p>
+            <a:pPr marL="0" indent="0">
+              <a:buNone/>
+            </a:pPr>
+            <a:r>
+              <a:rPr lang="en-US" dirty="0" smtClean="0"/>
+              <a:t>							Author: Piotr Paczuła</a:t>
+            </a:r>
+            <a:r>
+              <a:rPr lang="en-US" dirty="0"/>
+              <a:t/>
+            </a:r>
+            <a:br>
+              <a:rPr lang="en-US" dirty="0"/>
+            </a:br>
+            <a:r>
+              <a:rPr lang="en-US" dirty="0" smtClean="0"/>
+              <a:t>							Group: GKiO4</a:t>
+            </a:r>
+          </a:p>
+        </p:txBody>
+      </p:sp>
+    </p:spTree>
+    <p:extLst>
+      <p:ext uri="{BB962C8B-B14F-4D97-AF65-F5344CB8AC3E}">
+        <p14:creationId xmlns:p14="http://schemas.microsoft.com/office/powerpoint/2010/main" val="3923533629"/>
+      </p:ext>
+    </p:extLst>
+  </p:cSld>
+  <p:clrMapOvr>
+    <a:masterClrMapping/>
+  </p:clrMapOvr>
+</p:sld>
+</file>
+
+<file path=ppt/slides/slide2.xml><?xml version="1.0" encoding="utf-8"?>
+<p:sld xmlns:a="http://schemas.openxmlformats.org/drawingml/2006/main" xmlns:r="http://schemas.openxmlformats.org/officeDocument/2006/relationships" xmlns:p="http://schemas.openxmlformats.org/presentationml/2006/main">
+  <p:cSld>
+    <p:spTree>
+      <p:nvGrpSpPr>
+        <p:cNvPr id="1" name=""/>
+        <p:cNvGrpSpPr/>
+        <p:nvPr/>
+      </p:nvGrpSpPr>
+      <p:grpSpPr>
+        <a:xfrm>
+          <a:off x="0" y="0"/>
+          <a:ext cx="0" cy="0"/>
+          <a:chOff x="0" y="0"/>
+          <a:chExt cx="0" cy="0"/>
+        </a:xfrm>
+      </p:grpSpPr>
+      <p:sp>
+        <p:nvSpPr>
+          <p:cNvPr id="2" name="Tytuł 1"/>
+          <p:cNvSpPr>
+            <a:spLocks noGrp="1"/>
+          </p:cNvSpPr>
+          <p:nvPr>
+            <p:ph type="title"/>
+          </p:nvPr>
+        </p:nvSpPr>
+        <p:spPr/>
+        <p:txBody>
+          <a:bodyPr/>
+          <a:lstStyle/>
+          <a:p>
+            <a:pPr algn="ctr"/>
+            <a:r>
+              <a:rPr lang="en-US" b="1" dirty="0" smtClean="0"/>
+              <a:t>What is traveling salesman problem?</a:t>
+            </a:r>
+            <a:endParaRPr lang="en-US" b="1" dirty="0"/>
+          </a:p>
+        </p:txBody>
+      </p:sp>
+      <p:sp>
+        <p:nvSpPr>
+          <p:cNvPr id="3" name="Symbol zastępczy zawartości 2"/>
+          <p:cNvSpPr>
+            <a:spLocks noGrp="1"/>
+          </p:cNvSpPr>
+          <p:nvPr>
+            <p:ph idx="1"/>
+          </p:nvPr>
+        </p:nvSpPr>
+        <p:spPr/>
+        <p:txBody>
+          <a:bodyPr/>
+          <a:lstStyle/>
+          <a:p>
+            <a:pPr marL="0" indent="0">
+              <a:buNone/>
+            </a:pPr>
+            <a:r>
+              <a:rPr lang="en-US" dirty="0" smtClean="0"/>
+              <a:t>“Given </a:t>
+            </a:r>
+            <a:r>
+              <a:rPr lang="en-US" dirty="0"/>
+              <a:t>a list of cities and the distances between each pair of cities, what is the shortest possible route that visits each city and returns to the origin city</a:t>
+            </a:r>
+            <a:r>
+              <a:rPr lang="en-US" dirty="0" smtClean="0"/>
+              <a:t>?“ </a:t>
+            </a:r>
+            <a:r>
+              <a:rPr lang="en-US" sz="2000" dirty="0" smtClean="0"/>
+              <a:t>~ </a:t>
+            </a:r>
+            <a:r>
+              <a:rPr lang="en-US" sz="2000" i="1" dirty="0" smtClean="0"/>
+              <a:t>wikipedia.org</a:t>
+            </a:r>
+          </a:p>
+          <a:p>
+            <a:pPr marL="0" indent="0">
+              <a:buNone/>
+            </a:pPr>
+            <a:endParaRPr lang="en-US" sz="2000" i="1" dirty="0"/>
+          </a:p>
+          <a:p>
+            <a:pPr>
+              <a:buFont typeface="Wingdings" panose="05000000000000000000" pitchFamily="2" charset="2"/>
+              <a:buChar char="Ø"/>
+            </a:pPr>
+            <a:r>
+              <a:rPr lang="en-US" dirty="0" smtClean="0"/>
+              <a:t>Brute force solution is n! complex, which is not what we want.</a:t>
+            </a:r>
+            <a:br>
+              <a:rPr lang="en-US" dirty="0" smtClean="0"/>
+            </a:br>
+            <a:endParaRPr lang="en-US" dirty="0" smtClean="0"/>
+          </a:p>
+          <a:p>
+            <a:pPr>
+              <a:buFont typeface="Wingdings" panose="05000000000000000000" pitchFamily="2" charset="2"/>
+              <a:buChar char="Ø"/>
+            </a:pPr>
+            <a:r>
+              <a:rPr lang="en-US" dirty="0" smtClean="0"/>
+              <a:t>One of the fastest ways to get quite good solution is to use:</a:t>
+            </a:r>
+          </a:p>
+          <a:p>
+            <a:pPr marL="0" indent="0">
+              <a:buNone/>
+            </a:pPr>
+            <a:r>
+              <a:rPr lang="en-US" dirty="0"/>
+              <a:t>	</a:t>
+            </a:r>
+            <a:r>
+              <a:rPr lang="en-US" dirty="0" smtClean="0"/>
+              <a:t>		</a:t>
+            </a:r>
+            <a:r>
+              <a:rPr lang="en-US" sz="3200" b="1" dirty="0" smtClean="0">
+                <a:solidFill>
+                  <a:schemeClr val="accent5">
+                    <a:lumMod val="50000"/>
+                  </a:schemeClr>
+                </a:solidFill>
+              </a:rPr>
+              <a:t>Genetic Algorithm</a:t>
+            </a:r>
+            <a:endParaRPr lang="en-US" sz="3200" b="1" dirty="0">
+              <a:solidFill>
+                <a:schemeClr val="accent5">
+                  <a:lumMod val="50000"/>
+                </a:schemeClr>
+              </a:solidFill>
+            </a:endParaRPr>
+          </a:p>
+        </p:txBody>
+      </p:sp>
+    </p:spTree>
+    <p:extLst>
+      <p:ext uri="{BB962C8B-B14F-4D97-AF65-F5344CB8AC3E}">
+        <p14:creationId xmlns:p14="http://schemas.microsoft.com/office/powerpoint/2010/main" val="1982801293"/>
+      </p:ext>
+    </p:extLst>
+  </p:cSld>
+  <p:clrMapOvr>
+    <a:masterClrMapping/>
+  </p:clrMapOvr>
+</p:sld>
+</file>
+
+<file path=ppt/slides/slide3.xml><?xml version="1.0" encoding="utf-8"?>
+<p:sld xmlns:a="http://schemas.openxmlformats.org/drawingml/2006/main" xmlns:r="http://schemas.openxmlformats.org/officeDocument/2006/relationships" xmlns:p="http://schemas.openxmlformats.org/presentationml/2006/main">
+  <p:cSld>
+    <p:spTree>
+      <p:nvGrpSpPr>
+        <p:cNvPr id="1" name=""/>
+        <p:cNvGrpSpPr/>
+        <p:nvPr/>
+      </p:nvGrpSpPr>
+      <p:grpSpPr>
+        <a:xfrm>
+          <a:off x="0" y="0"/>
+          <a:ext cx="0" cy="0"/>
+          <a:chOff x="0" y="0"/>
+          <a:chExt cx="0" cy="0"/>
+        </a:xfrm>
+      </p:grpSpPr>
+      <p:sp>
+        <p:nvSpPr>
+          <p:cNvPr id="2" name="Tytuł 1"/>
+          <p:cNvSpPr>
+            <a:spLocks noGrp="1"/>
+          </p:cNvSpPr>
+          <p:nvPr>
+            <p:ph type="title"/>
+          </p:nvPr>
+        </p:nvSpPr>
+        <p:spPr/>
+        <p:txBody>
+          <a:bodyPr/>
+          <a:lstStyle/>
+          <a:p>
+            <a:pPr algn="ctr"/>
+            <a:r>
+              <a:rPr lang="en-US" b="1" dirty="0" smtClean="0"/>
+              <a:t>Example</a:t>
+            </a:r>
+            <a:endParaRPr lang="en-US" b="1" dirty="0"/>
+          </a:p>
+        </p:txBody>
+      </p:sp>
+      <p:sp>
+        <p:nvSpPr>
+          <p:cNvPr id="3" name="Symbol zastępczy zawartości 2"/>
+          <p:cNvSpPr>
+            <a:spLocks noGrp="1"/>
+          </p:cNvSpPr>
+          <p:nvPr>
+            <p:ph idx="1"/>
+          </p:nvPr>
+        </p:nvSpPr>
+        <p:spPr/>
+        <p:txBody>
+          <a:bodyPr/>
+          <a:lstStyle/>
+          <a:p>
+            <a:pPr marL="0" indent="0">
+              <a:buNone/>
+            </a:pPr>
+            <a:r>
+              <a:rPr lang="en-US" dirty="0" smtClean="0"/>
+              <a:t>One of the possibilities:			    </a:t>
+            </a:r>
+            <a:r>
+              <a:rPr lang="en-US" dirty="0" smtClean="0"/>
+              <a:t>Better solution:</a:t>
+            </a:r>
+            <a:endParaRPr lang="en-US" dirty="0"/>
+          </a:p>
+        </p:txBody>
+      </p:sp>
+      <p:cxnSp>
+        <p:nvCxnSpPr>
+          <p:cNvPr id="7" name="Łącznik prosty ze strzałką 6"/>
+          <p:cNvCxnSpPr/>
+          <p:nvPr/>
+        </p:nvCxnSpPr>
+        <p:spPr>
+          <a:xfrm>
+            <a:off x="5248274" y="3995351"/>
+            <a:ext cx="1188720" cy="0"/>
+          </a:xfrm>
+          <a:prstGeom prst="straightConnector1">
+            <a:avLst/>
+          </a:prstGeom>
+          <a:ln w="38100">
+            <a:tailEnd type="triangle"/>
+          </a:ln>
+        </p:spPr>
+        <p:style>
+          <a:lnRef idx="1">
+            <a:schemeClr val="accent1"/>
+          </a:lnRef>
+          <a:fillRef idx="0">
+            <a:schemeClr val="accent1"/>
+          </a:fillRef>
+          <a:effectRef idx="0">
+            <a:schemeClr val="accent1"/>
+          </a:effectRef>
+          <a:fontRef idx="minor">
+            <a:schemeClr val="tx1"/>
+          </a:fontRef>
+        </p:style>
+      </p:cxnSp>
+      <p:pic>
+        <p:nvPicPr>
+          <p:cNvPr id="6" name="Obraz 5"/>
+          <p:cNvPicPr>
+            <a:picLocks noChangeAspect="1"/>
+          </p:cNvPicPr>
+          <p:nvPr/>
+        </p:nvPicPr>
+        <p:blipFill>
+          <a:blip r:embed="rId2"/>
+          <a:stretch>
+            <a:fillRect/>
+          </a:stretch>
+        </p:blipFill>
+        <p:spPr>
+          <a:xfrm>
+            <a:off x="983584" y="2666833"/>
+            <a:ext cx="3703746" cy="2657035"/>
+          </a:xfrm>
+          <a:prstGeom prst="rect">
+            <a:avLst/>
+          </a:prstGeom>
+        </p:spPr>
+      </p:pic>
+      <p:pic>
+        <p:nvPicPr>
+          <p:cNvPr id="8" name="Obraz 7"/>
+          <p:cNvPicPr>
+            <a:picLocks noChangeAspect="1"/>
+          </p:cNvPicPr>
+          <p:nvPr/>
+        </p:nvPicPr>
+        <p:blipFill>
+          <a:blip r:embed="rId3"/>
+          <a:stretch>
+            <a:fillRect/>
+          </a:stretch>
+        </p:blipFill>
+        <p:spPr>
+          <a:xfrm>
+            <a:off x="6436994" y="2830809"/>
+            <a:ext cx="3694669" cy="2493059"/>
+          </a:xfrm>
+          <a:prstGeom prst="rect">
+            <a:avLst/>
+          </a:prstGeom>
+        </p:spPr>
+      </p:pic>
+    </p:spTree>
+    <p:extLst>
+      <p:ext uri="{BB962C8B-B14F-4D97-AF65-F5344CB8AC3E}">
+        <p14:creationId xmlns:p14="http://schemas.microsoft.com/office/powerpoint/2010/main" val="2646355316"/>
+      </p:ext>
+    </p:extLst>
+  </p:cSld>
+  <p:clrMapOvr>
+    <a:masterClrMapping/>
+  </p:clrMapOvr>
+</p:sld>
+</file>
+
+<file path=ppt/slides/slide4.xml><?xml version="1.0" encoding="utf-8"?>
+<p:sld xmlns:a="http://schemas.openxmlformats.org/drawingml/2006/main" xmlns:r="http://schemas.openxmlformats.org/officeDocument/2006/relationships" xmlns:p="http://schemas.openxmlformats.org/presentationml/2006/main">
+  <p:cSld>
+    <p:spTree>
+      <p:nvGrpSpPr>
+        <p:cNvPr id="1" name=""/>
+        <p:cNvGrpSpPr/>
+        <p:nvPr/>
+      </p:nvGrpSpPr>
+      <p:grpSpPr>
+        <a:xfrm>
+          <a:off x="0" y="0"/>
+          <a:ext cx="0" cy="0"/>
+          <a:chOff x="0" y="0"/>
+          <a:chExt cx="0" cy="0"/>
+        </a:xfrm>
+      </p:grpSpPr>
+      <p:sp>
+        <p:nvSpPr>
+          <p:cNvPr id="2" name="Tytuł 1"/>
+          <p:cNvSpPr>
+            <a:spLocks noGrp="1"/>
+          </p:cNvSpPr>
+          <p:nvPr>
             <p:ph type="ctrTitle"/>
           </p:nvPr>
         </p:nvSpPr>
@@ -3007,23 +3475,23 @@
         <p:spPr>
           <a:xfrm>
             <a:off x="1524000" y="2273643"/>
-            <a:ext cx="9144000" cy="2984157"/>
+            <a:ext cx="9144000" cy="4085968"/>
           </a:xfrm>
         </p:spPr>
         <p:txBody>
           <a:bodyPr>
-            <a:normAutofit fontScale="92500" lnSpcReduction="10000"/>
+            <a:normAutofit/>
           </a:bodyPr>
           <a:lstStyle/>
           <a:p>
-            <a:pPr marL="342900" indent="-342900">
+            <a:pPr marL="342900" indent="-342900" algn="l">
               <a:buFont typeface="Wingdings" panose="05000000000000000000" pitchFamily="2" charset="2"/>
               <a:buChar char="Ø"/>
             </a:pPr>
             <a:endParaRPr lang="en-US" b="1" dirty="0" smtClean="0"/>
           </a:p>
           <a:p>
-            <a:pPr marL="342900" indent="-342900">
+            <a:pPr marL="342900" indent="-342900" algn="l">
               <a:buFont typeface="Wingdings" panose="05000000000000000000" pitchFamily="2" charset="2"/>
               <a:buChar char="Ø"/>
             </a:pPr>
@@ -3037,7 +3505,7 @@
             </a:r>
           </a:p>
           <a:p>
-            <a:pPr marL="342900" indent="-342900">
+            <a:pPr marL="342900" indent="-342900" algn="l">
               <a:buFont typeface="Wingdings" panose="05000000000000000000" pitchFamily="2" charset="2"/>
               <a:buChar char="Ø"/>
             </a:pPr>
@@ -3051,7 +3519,7 @@
             </a:r>
           </a:p>
           <a:p>
-            <a:pPr marL="342900" indent="-342900">
+            <a:pPr marL="342900" indent="-342900" algn="l">
               <a:buFont typeface="Wingdings" panose="05000000000000000000" pitchFamily="2" charset="2"/>
               <a:buChar char="Ø"/>
             </a:pPr>
@@ -3064,12 +3532,12 @@
               <a:t> – there must be a mechanism by which some members of a population have the opportunity to be parents and pass down their genetic information and some do not. This is typically referred to as “</a:t>
             </a:r>
             <a:r>
-              <a:rPr lang="en-US" dirty="0" err="1" smtClean="0"/>
-              <a:t>survivcal</a:t>
-            </a:r>
-            <a:r>
               <a:rPr lang="en-US" dirty="0" smtClean="0"/>
-              <a:t> of the fittest”.</a:t>
+              <a:t>survival </a:t>
+            </a:r>
+            <a:r>
+              <a:rPr lang="en-US" dirty="0" smtClean="0"/>
+              <a:t>of the fittest”.</a:t>
             </a:r>
           </a:p>
         </p:txBody>
@@ -3078,6 +3546,769 @@
     <p:extLst>
       <p:ext uri="{BB962C8B-B14F-4D97-AF65-F5344CB8AC3E}">
         <p14:creationId xmlns:p14="http://schemas.microsoft.com/office/powerpoint/2010/main" val="1819284406"/>
+      </p:ext>
+    </p:extLst>
+  </p:cSld>
+  <p:clrMapOvr>
+    <a:masterClrMapping/>
+  </p:clrMapOvr>
+</p:sld>
+</file>
+
+<file path=ppt/slides/slide5.xml><?xml version="1.0" encoding="utf-8"?>
+<p:sld xmlns:a="http://schemas.openxmlformats.org/drawingml/2006/main" xmlns:r="http://schemas.openxmlformats.org/officeDocument/2006/relationships" xmlns:p="http://schemas.openxmlformats.org/presentationml/2006/main">
+  <p:cSld>
+    <p:spTree>
+      <p:nvGrpSpPr>
+        <p:cNvPr id="1" name=""/>
+        <p:cNvGrpSpPr/>
+        <p:nvPr/>
+      </p:nvGrpSpPr>
+      <p:grpSpPr>
+        <a:xfrm>
+          <a:off x="0" y="0"/>
+          <a:ext cx="0" cy="0"/>
+          <a:chOff x="0" y="0"/>
+          <a:chExt cx="0" cy="0"/>
+        </a:xfrm>
+      </p:grpSpPr>
+      <p:sp>
+        <p:nvSpPr>
+          <p:cNvPr id="2" name="Tytuł 1"/>
+          <p:cNvSpPr>
+            <a:spLocks noGrp="1"/>
+          </p:cNvSpPr>
+          <p:nvPr>
+            <p:ph type="title"/>
+          </p:nvPr>
+        </p:nvSpPr>
+        <p:spPr/>
+        <p:txBody>
+          <a:bodyPr/>
+          <a:lstStyle/>
+          <a:p>
+            <a:pPr algn="ctr"/>
+            <a:r>
+              <a:rPr lang="en-US" b="1" dirty="0"/>
+              <a:t>Heredity</a:t>
+            </a:r>
+            <a:endParaRPr lang="en-US" dirty="0"/>
+          </a:p>
+        </p:txBody>
+      </p:sp>
+      <p:sp>
+        <p:nvSpPr>
+          <p:cNvPr id="3" name="Symbol zastępczy zawartości 2"/>
+          <p:cNvSpPr>
+            <a:spLocks noGrp="1"/>
+          </p:cNvSpPr>
+          <p:nvPr>
+            <p:ph idx="1"/>
+          </p:nvPr>
+        </p:nvSpPr>
+        <p:spPr/>
+        <p:txBody>
+          <a:bodyPr/>
+          <a:lstStyle/>
+          <a:p>
+            <a:pPr>
+              <a:buFont typeface="Wingdings" panose="05000000000000000000" pitchFamily="2" charset="2"/>
+              <a:buChar char="Ø"/>
+            </a:pPr>
+            <a:r>
+              <a:rPr lang="en-US" dirty="0" smtClean="0"/>
+              <a:t>At first iteration algorithm is creating given amount of random children called population. </a:t>
+            </a:r>
+          </a:p>
+          <a:p>
+            <a:pPr>
+              <a:buFont typeface="Wingdings" panose="05000000000000000000" pitchFamily="2" charset="2"/>
+              <a:buChar char="Ø"/>
+            </a:pPr>
+            <a:r>
+              <a:rPr lang="en-US" dirty="0" smtClean="0"/>
+              <a:t>Then in every following iteration the next population is created based on the previous one. </a:t>
+            </a:r>
+          </a:p>
+          <a:p>
+            <a:pPr>
+              <a:buFont typeface="Wingdings" panose="05000000000000000000" pitchFamily="2" charset="2"/>
+              <a:buChar char="Ø"/>
+            </a:pPr>
+            <a:r>
+              <a:rPr lang="en-US" dirty="0" smtClean="0"/>
+              <a:t>Probability of inheriting parents’ genes depends on “fitness” parameter which will be discussed later.</a:t>
+            </a:r>
+            <a:endParaRPr lang="en-US" dirty="0"/>
+          </a:p>
+        </p:txBody>
+      </p:sp>
+    </p:spTree>
+    <p:extLst>
+      <p:ext uri="{BB962C8B-B14F-4D97-AF65-F5344CB8AC3E}">
+        <p14:creationId xmlns:p14="http://schemas.microsoft.com/office/powerpoint/2010/main" val="799270827"/>
+      </p:ext>
+    </p:extLst>
+  </p:cSld>
+  <p:clrMapOvr>
+    <a:masterClrMapping/>
+  </p:clrMapOvr>
+</p:sld>
+</file>
+
+<file path=ppt/slides/slide6.xml><?xml version="1.0" encoding="utf-8"?>
+<p:sld xmlns:a="http://schemas.openxmlformats.org/drawingml/2006/main" xmlns:r="http://schemas.openxmlformats.org/officeDocument/2006/relationships" xmlns:p="http://schemas.openxmlformats.org/presentationml/2006/main">
+  <p:cSld>
+    <p:spTree>
+      <p:nvGrpSpPr>
+        <p:cNvPr id="1" name=""/>
+        <p:cNvGrpSpPr/>
+        <p:nvPr/>
+      </p:nvGrpSpPr>
+      <p:grpSpPr>
+        <a:xfrm>
+          <a:off x="0" y="0"/>
+          <a:ext cx="0" cy="0"/>
+          <a:chOff x="0" y="0"/>
+          <a:chExt cx="0" cy="0"/>
+        </a:xfrm>
+      </p:grpSpPr>
+      <p:sp>
+        <p:nvSpPr>
+          <p:cNvPr id="2" name="Tytuł 1"/>
+          <p:cNvSpPr>
+            <a:spLocks noGrp="1"/>
+          </p:cNvSpPr>
+          <p:nvPr>
+            <p:ph type="title"/>
+          </p:nvPr>
+        </p:nvSpPr>
+        <p:spPr/>
+        <p:txBody>
+          <a:bodyPr/>
+          <a:lstStyle/>
+          <a:p>
+            <a:pPr algn="ctr"/>
+            <a:r>
+              <a:rPr lang="en-US" b="1" dirty="0"/>
+              <a:t>Variation</a:t>
+            </a:r>
+            <a:endParaRPr lang="en-US" b="1" dirty="0"/>
+          </a:p>
+        </p:txBody>
+      </p:sp>
+      <p:sp>
+        <p:nvSpPr>
+          <p:cNvPr id="3" name="Symbol zastępczy zawartości 2"/>
+          <p:cNvSpPr>
+            <a:spLocks noGrp="1"/>
+          </p:cNvSpPr>
+          <p:nvPr>
+            <p:ph idx="1"/>
+          </p:nvPr>
+        </p:nvSpPr>
+        <p:spPr>
+          <a:xfrm>
+            <a:off x="838200" y="1441622"/>
+            <a:ext cx="10515600" cy="4735341"/>
+          </a:xfrm>
+        </p:spPr>
+        <p:txBody>
+          <a:bodyPr/>
+          <a:lstStyle/>
+          <a:p>
+            <a:pPr>
+              <a:buFont typeface="Wingdings" panose="05000000000000000000" pitchFamily="2" charset="2"/>
+              <a:buChar char="Ø"/>
+            </a:pPr>
+            <a:r>
+              <a:rPr lang="en-US" dirty="0" smtClean="0"/>
+              <a:t>Algorithm implements two kinds of creating variation: </a:t>
+            </a:r>
+          </a:p>
+          <a:p>
+            <a:pPr lvl="1">
+              <a:buFont typeface="Wingdings" panose="05000000000000000000" pitchFamily="2" charset="2"/>
+              <a:buChar char="Ø"/>
+            </a:pPr>
+            <a:r>
+              <a:rPr lang="en-US" dirty="0"/>
+              <a:t>M</a:t>
+            </a:r>
+            <a:r>
+              <a:rPr lang="en-US" dirty="0" smtClean="0"/>
+              <a:t>utation swaps two genes from a child with a given chance for example:</a:t>
+            </a:r>
+          </a:p>
+          <a:p>
+            <a:pPr lvl="1">
+              <a:buFont typeface="Wingdings" panose="05000000000000000000" pitchFamily="2" charset="2"/>
+              <a:buChar char="Ø"/>
+            </a:pPr>
+            <a:endParaRPr lang="en-US" dirty="0"/>
+          </a:p>
+          <a:p>
+            <a:pPr marL="457200" lvl="1" indent="0">
+              <a:buNone/>
+            </a:pPr>
+            <a:endParaRPr lang="en-US" dirty="0"/>
+          </a:p>
+          <a:p>
+            <a:pPr marL="457200" lvl="1" indent="0">
+              <a:buNone/>
+            </a:pPr>
+            <a:endParaRPr lang="en-US" dirty="0" smtClean="0"/>
+          </a:p>
+          <a:p>
+            <a:pPr lvl="1">
+              <a:buFont typeface="Wingdings" panose="05000000000000000000" pitchFamily="2" charset="2"/>
+              <a:buChar char="Ø"/>
+            </a:pPr>
+            <a:r>
+              <a:rPr lang="en-US" dirty="0" smtClean="0"/>
+              <a:t>Ordered crossover algorithm uses two parents to create a child:</a:t>
+            </a:r>
+          </a:p>
+          <a:p>
+            <a:pPr marL="457200" lvl="1" indent="0" algn="ctr">
+              <a:buNone/>
+            </a:pPr>
+            <a:r>
+              <a:rPr lang="en-US" sz="1400" i="1" dirty="0" smtClean="0"/>
+              <a:t>(Slices part of one parent and fills with what’s left from another one)</a:t>
+            </a:r>
+            <a:endParaRPr lang="en-US" sz="1400" i="1" dirty="0"/>
+          </a:p>
+          <a:p>
+            <a:pPr marL="457200" lvl="1" indent="0">
+              <a:buNone/>
+            </a:pPr>
+            <a:endParaRPr lang="en-US" dirty="0"/>
+          </a:p>
+        </p:txBody>
+      </p:sp>
+      <p:pic>
+        <p:nvPicPr>
+          <p:cNvPr id="4" name="Obraz 3"/>
+          <p:cNvPicPr>
+            <a:picLocks noChangeAspect="1"/>
+          </p:cNvPicPr>
+          <p:nvPr/>
+        </p:nvPicPr>
+        <p:blipFill>
+          <a:blip r:embed="rId2"/>
+          <a:stretch>
+            <a:fillRect/>
+          </a:stretch>
+        </p:blipFill>
+        <p:spPr>
+          <a:xfrm>
+            <a:off x="3589381" y="2252835"/>
+            <a:ext cx="4057650" cy="1028700"/>
+          </a:xfrm>
+          <a:prstGeom prst="rect">
+            <a:avLst/>
+          </a:prstGeom>
+        </p:spPr>
+      </p:pic>
+      <p:cxnSp>
+        <p:nvCxnSpPr>
+          <p:cNvPr id="8" name="Łącznik łamany 7"/>
+          <p:cNvCxnSpPr/>
+          <p:nvPr/>
+        </p:nvCxnSpPr>
+        <p:spPr>
+          <a:xfrm>
+            <a:off x="5737860" y="4739640"/>
+            <a:ext cx="998220" cy="243840"/>
+          </a:xfrm>
+          <a:prstGeom prst="bentConnector3">
+            <a:avLst/>
+          </a:prstGeom>
+          <a:ln w="38100">
+            <a:tailEnd type="triangle"/>
+          </a:ln>
+        </p:spPr>
+        <p:style>
+          <a:lnRef idx="1">
+            <a:schemeClr val="accent1"/>
+          </a:lnRef>
+          <a:fillRef idx="0">
+            <a:schemeClr val="accent1"/>
+          </a:fillRef>
+          <a:effectRef idx="0">
+            <a:schemeClr val="accent1"/>
+          </a:effectRef>
+          <a:fontRef idx="minor">
+            <a:schemeClr val="tx1"/>
+          </a:fontRef>
+        </p:style>
+      </p:cxnSp>
+      <p:cxnSp>
+        <p:nvCxnSpPr>
+          <p:cNvPr id="12" name="Łącznik łamany 11"/>
+          <p:cNvCxnSpPr/>
+          <p:nvPr/>
+        </p:nvCxnSpPr>
+        <p:spPr>
+          <a:xfrm flipV="1">
+            <a:off x="5733097" y="4983480"/>
+            <a:ext cx="822960" cy="350520"/>
+          </a:xfrm>
+          <a:prstGeom prst="bentConnector3">
+            <a:avLst>
+              <a:gd name="adj1" fmla="val 61342"/>
+            </a:avLst>
+          </a:prstGeom>
+          <a:ln w="38100"/>
+        </p:spPr>
+        <p:style>
+          <a:lnRef idx="1">
+            <a:schemeClr val="accent1"/>
+          </a:lnRef>
+          <a:fillRef idx="0">
+            <a:schemeClr val="accent1"/>
+          </a:fillRef>
+          <a:effectRef idx="0">
+            <a:schemeClr val="accent1"/>
+          </a:effectRef>
+          <a:fontRef idx="minor">
+            <a:schemeClr val="tx1"/>
+          </a:fontRef>
+        </p:style>
+      </p:cxnSp>
+      <p:pic>
+        <p:nvPicPr>
+          <p:cNvPr id="16" name="Obraz 15"/>
+          <p:cNvPicPr>
+            <a:picLocks noChangeAspect="1"/>
+          </p:cNvPicPr>
+          <p:nvPr/>
+        </p:nvPicPr>
+        <p:blipFill>
+          <a:blip r:embed="rId3"/>
+          <a:stretch>
+            <a:fillRect/>
+          </a:stretch>
+        </p:blipFill>
+        <p:spPr>
+          <a:xfrm>
+            <a:off x="1588506" y="4358032"/>
+            <a:ext cx="4142209" cy="1265956"/>
+          </a:xfrm>
+          <a:prstGeom prst="rect">
+            <a:avLst/>
+          </a:prstGeom>
+        </p:spPr>
+      </p:pic>
+      <p:pic>
+        <p:nvPicPr>
+          <p:cNvPr id="17" name="Obraz 16"/>
+          <p:cNvPicPr>
+            <a:picLocks noChangeAspect="1"/>
+          </p:cNvPicPr>
+          <p:nvPr/>
+        </p:nvPicPr>
+        <p:blipFill>
+          <a:blip r:embed="rId4"/>
+          <a:stretch>
+            <a:fillRect/>
+          </a:stretch>
+        </p:blipFill>
+        <p:spPr>
+          <a:xfrm>
+            <a:off x="6814876" y="4831058"/>
+            <a:ext cx="3930755" cy="320062"/>
+          </a:xfrm>
+          <a:prstGeom prst="rect">
+            <a:avLst/>
+          </a:prstGeom>
+        </p:spPr>
+      </p:pic>
+    </p:spTree>
+    <p:extLst>
+      <p:ext uri="{BB962C8B-B14F-4D97-AF65-F5344CB8AC3E}">
+        <p14:creationId xmlns:p14="http://schemas.microsoft.com/office/powerpoint/2010/main" val="3385815994"/>
+      </p:ext>
+    </p:extLst>
+  </p:cSld>
+  <p:clrMapOvr>
+    <a:masterClrMapping/>
+  </p:clrMapOvr>
+</p:sld>
+</file>
+
+<file path=ppt/slides/slide7.xml><?xml version="1.0" encoding="utf-8"?>
+<p:sld xmlns:a="http://schemas.openxmlformats.org/drawingml/2006/main" xmlns:r="http://schemas.openxmlformats.org/officeDocument/2006/relationships" xmlns:p="http://schemas.openxmlformats.org/presentationml/2006/main">
+  <p:cSld>
+    <p:spTree>
+      <p:nvGrpSpPr>
+        <p:cNvPr id="1" name=""/>
+        <p:cNvGrpSpPr/>
+        <p:nvPr/>
+      </p:nvGrpSpPr>
+      <p:grpSpPr>
+        <a:xfrm>
+          <a:off x="0" y="0"/>
+          <a:ext cx="0" cy="0"/>
+          <a:chOff x="0" y="0"/>
+          <a:chExt cx="0" cy="0"/>
+        </a:xfrm>
+      </p:grpSpPr>
+      <p:sp>
+        <p:nvSpPr>
+          <p:cNvPr id="2" name="Tytuł 1"/>
+          <p:cNvSpPr>
+            <a:spLocks noGrp="1"/>
+          </p:cNvSpPr>
+          <p:nvPr>
+            <p:ph type="title"/>
+          </p:nvPr>
+        </p:nvSpPr>
+        <p:spPr/>
+        <p:txBody>
+          <a:bodyPr/>
+          <a:lstStyle/>
+          <a:p>
+            <a:pPr algn="ctr"/>
+            <a:r>
+              <a:rPr lang="en-US" b="1" dirty="0" smtClean="0"/>
+              <a:t>Selection</a:t>
+            </a:r>
+            <a:endParaRPr lang="en-US" b="1" dirty="0"/>
+          </a:p>
+        </p:txBody>
+      </p:sp>
+      <mc:AlternateContent xmlns:mc="http://schemas.openxmlformats.org/markup-compatibility/2006" xmlns:a14="http://schemas.microsoft.com/office/drawing/2010/main">
+        <mc:Choice Requires="a14">
+          <p:sp>
+            <p:nvSpPr>
+              <p:cNvPr id="3" name="Symbol zastępczy zawartości 2"/>
+              <p:cNvSpPr>
+                <a:spLocks noGrp="1"/>
+              </p:cNvSpPr>
+              <p:nvPr>
+                <p:ph idx="1"/>
+              </p:nvPr>
+            </p:nvSpPr>
+            <p:spPr/>
+            <p:txBody>
+              <a:bodyPr>
+                <a:normAutofit/>
+              </a:bodyPr>
+              <a:lstStyle/>
+              <a:p>
+                <a:pPr marL="0" indent="0">
+                  <a:buNone/>
+                </a:pPr>
+                <a:r>
+                  <a:rPr lang="en-US" dirty="0" smtClean="0"/>
+                  <a:t>Algorithm is using fitness function that depends full distance between each points</a:t>
+                </a:r>
+                <a:endParaRPr lang="en-US" dirty="0"/>
+              </a:p>
+              <a:p>
+                <a:pPr marL="0" indent="0">
+                  <a:buNone/>
+                </a:pPr>
+                <a14:m>
+                  <m:oMathPara xmlns:m="http://schemas.openxmlformats.org/officeDocument/2006/math">
+                    <m:oMathParaPr>
+                      <m:jc m:val="centerGroup"/>
+                    </m:oMathParaPr>
+                    <m:oMath xmlns:m="http://schemas.openxmlformats.org/officeDocument/2006/math">
+                      <m:r>
+                        <a:rPr lang="en-US" b="0" i="1" smtClean="0">
+                          <a:latin typeface="Cambria Math" panose="02040503050406030204" pitchFamily="18" charset="0"/>
+                        </a:rPr>
+                        <m:t>𝑓𝑖𝑡𝑛𝑒𝑠𝑠</m:t>
+                      </m:r>
+                      <m:r>
+                        <a:rPr lang="en-US" i="1" smtClean="0">
+                          <a:latin typeface="Cambria Math" panose="02040503050406030204" pitchFamily="18" charset="0"/>
+                        </a:rPr>
+                        <m:t>=</m:t>
+                      </m:r>
+                      <m:sSup>
+                        <m:sSupPr>
+                          <m:ctrlPr>
+                            <a:rPr lang="en-US" i="1">
+                              <a:latin typeface="Cambria Math" panose="02040503050406030204" pitchFamily="18" charset="0"/>
+                            </a:rPr>
+                          </m:ctrlPr>
+                        </m:sSupPr>
+                        <m:e>
+                          <m:d>
+                            <m:dPr>
+                              <m:ctrlPr>
+                                <a:rPr lang="en-US" i="1">
+                                  <a:latin typeface="Cambria Math" panose="02040503050406030204" pitchFamily="18" charset="0"/>
+                                </a:rPr>
+                              </m:ctrlPr>
+                            </m:dPr>
+                            <m:e>
+                              <m:f>
+                                <m:fPr>
+                                  <m:ctrlPr>
+                                    <a:rPr lang="en-US" i="1">
+                                      <a:latin typeface="Cambria Math" panose="02040503050406030204" pitchFamily="18" charset="0"/>
+                                    </a:rPr>
+                                  </m:ctrlPr>
+                                </m:fPr>
+                                <m:num>
+                                  <m:r>
+                                    <a:rPr lang="en-US" i="1">
+                                      <a:latin typeface="Cambria Math" panose="02040503050406030204" pitchFamily="18" charset="0"/>
+                                    </a:rPr>
+                                    <m:t>1</m:t>
+                                  </m:r>
+                                </m:num>
+                                <m:den>
+                                  <m:r>
+                                    <a:rPr lang="en-US" i="1">
+                                      <a:latin typeface="Cambria Math" panose="02040503050406030204" pitchFamily="18" charset="0"/>
+                                    </a:rPr>
+                                    <m:t>𝑑𝑖𝑠𝑡𝑎𝑛𝑐𝑒</m:t>
+                                  </m:r>
+                                </m:den>
+                              </m:f>
+                            </m:e>
+                          </m:d>
+                        </m:e>
+                        <m:sup>
+                          <m:r>
+                            <a:rPr lang="en-US" i="1">
+                              <a:latin typeface="Cambria Math" panose="02040503050406030204" pitchFamily="18" charset="0"/>
+                            </a:rPr>
+                            <m:t>2</m:t>
+                          </m:r>
+                        </m:sup>
+                      </m:sSup>
+                    </m:oMath>
+                  </m:oMathPara>
+                </a14:m>
+                <a:r>
+                  <a:rPr lang="en-US" dirty="0" smtClean="0"/>
+                  <a:t/>
+                </a:r>
+                <a:br>
+                  <a:rPr lang="en-US" dirty="0" smtClean="0"/>
+                </a:br>
+                <a:endParaRPr lang="en-US" dirty="0" smtClean="0"/>
+              </a:p>
+              <a:p>
+                <a:pPr marL="0" indent="0" algn="ctr">
+                  <a:buNone/>
+                </a:pPr>
+                <a:r>
+                  <a:rPr lang="en-US" sz="1400" i="1" dirty="0"/>
+                  <a:t>Power of two is supposed to increase probability of picking children with better fitness exponentially</a:t>
+                </a:r>
+              </a:p>
+              <a:p>
+                <a:pPr marL="0" indent="0">
+                  <a:buNone/>
+                </a:pPr>
+                <a:endParaRPr lang="en-US" dirty="0" smtClean="0"/>
+              </a:p>
+              <a:p>
+                <a:pPr marL="0" indent="0">
+                  <a:buNone/>
+                </a:pPr>
+                <a:r>
+                  <a:rPr lang="en-US" dirty="0" smtClean="0"/>
+                  <a:t>At the end of calculating fitness of whole population, the values are normalized. The higher fitness, the higher chance of picking it for next population.</a:t>
+                </a:r>
+              </a:p>
+            </p:txBody>
+          </p:sp>
+        </mc:Choice>
+        <mc:Fallback xmlns="">
+          <p:sp>
+            <p:nvSpPr>
+              <p:cNvPr id="3" name="Symbol zastępczy zawartości 2"/>
+              <p:cNvSpPr>
+                <a:spLocks noGrp="1" noRot="1" noChangeAspect="1" noMove="1" noResize="1" noEditPoints="1" noAdjustHandles="1" noChangeArrowheads="1" noChangeShapeType="1" noTextEdit="1"/>
+              </p:cNvSpPr>
+              <p:nvPr>
+                <p:ph idx="1"/>
+              </p:nvPr>
+            </p:nvSpPr>
+            <p:spPr>
+              <a:blipFill rotWithShape="0">
+                <a:blip r:embed="rId2"/>
+                <a:stretch>
+                  <a:fillRect l="-1217" t="-2241"/>
+                </a:stretch>
+              </a:blipFill>
+            </p:spPr>
+            <p:txBody>
+              <a:bodyPr/>
+              <a:lstStyle/>
+              <a:p>
+                <a:r>
+                  <a:rPr lang="en-US">
+                    <a:noFill/>
+                  </a:rPr>
+                  <a:t> </a:t>
+                </a:r>
+              </a:p>
+            </p:txBody>
+          </p:sp>
+        </mc:Fallback>
+      </mc:AlternateContent>
+    </p:spTree>
+    <p:extLst>
+      <p:ext uri="{BB962C8B-B14F-4D97-AF65-F5344CB8AC3E}">
+        <p14:creationId xmlns:p14="http://schemas.microsoft.com/office/powerpoint/2010/main" val="1618904224"/>
+      </p:ext>
+    </p:extLst>
+  </p:cSld>
+  <p:clrMapOvr>
+    <a:masterClrMapping/>
+  </p:clrMapOvr>
+</p:sld>
+</file>
+
+<file path=ppt/slides/slide8.xml><?xml version="1.0" encoding="utf-8"?>
+<p:sld xmlns:a="http://schemas.openxmlformats.org/drawingml/2006/main" xmlns:r="http://schemas.openxmlformats.org/officeDocument/2006/relationships" xmlns:p="http://schemas.openxmlformats.org/presentationml/2006/main">
+  <p:cSld>
+    <p:spTree>
+      <p:nvGrpSpPr>
+        <p:cNvPr id="1" name=""/>
+        <p:cNvGrpSpPr/>
+        <p:nvPr/>
+      </p:nvGrpSpPr>
+      <p:grpSpPr>
+        <a:xfrm>
+          <a:off x="0" y="0"/>
+          <a:ext cx="0" cy="0"/>
+          <a:chOff x="0" y="0"/>
+          <a:chExt cx="0" cy="0"/>
+        </a:xfrm>
+      </p:grpSpPr>
+      <p:sp>
+        <p:nvSpPr>
+          <p:cNvPr id="2" name="Tytuł 1"/>
+          <p:cNvSpPr>
+            <a:spLocks noGrp="1"/>
+          </p:cNvSpPr>
+          <p:nvPr>
+            <p:ph type="title"/>
+          </p:nvPr>
+        </p:nvSpPr>
+        <p:spPr/>
+        <p:txBody>
+          <a:bodyPr/>
+          <a:lstStyle/>
+          <a:p>
+            <a:pPr algn="ctr"/>
+            <a:r>
+              <a:rPr lang="en-US" b="1" dirty="0" smtClean="0"/>
+              <a:t>Links</a:t>
+            </a:r>
+            <a:endParaRPr lang="en-US" b="1" dirty="0"/>
+          </a:p>
+        </p:txBody>
+      </p:sp>
+      <p:sp>
+        <p:nvSpPr>
+          <p:cNvPr id="3" name="Symbol zastępczy zawartości 2"/>
+          <p:cNvSpPr>
+            <a:spLocks noGrp="1"/>
+          </p:cNvSpPr>
+          <p:nvPr>
+            <p:ph idx="1"/>
+          </p:nvPr>
+        </p:nvSpPr>
+        <p:spPr>
+          <a:xfrm>
+            <a:off x="838200" y="2084173"/>
+            <a:ext cx="10515600" cy="4092790"/>
+          </a:xfrm>
+        </p:spPr>
+        <p:txBody>
+          <a:bodyPr/>
+          <a:lstStyle/>
+          <a:p>
+            <a:pPr marL="0" indent="0">
+              <a:buNone/>
+            </a:pPr>
+            <a:r>
+              <a:rPr lang="en-US" dirty="0" err="1" smtClean="0"/>
+              <a:t>Github</a:t>
+            </a:r>
+            <a:r>
+              <a:rPr lang="en-US" dirty="0" smtClean="0"/>
+              <a:t> repository:</a:t>
+            </a:r>
+          </a:p>
+          <a:p>
+            <a:pPr>
+              <a:buFont typeface="Wingdings" panose="05000000000000000000" pitchFamily="2" charset="2"/>
+              <a:buChar char="Ø"/>
+            </a:pPr>
+            <a:r>
+              <a:rPr lang="en-US" dirty="0" smtClean="0">
+                <a:hlinkClick r:id="rId2"/>
+              </a:rPr>
+              <a:t>https</a:t>
+            </a:r>
+            <a:r>
+              <a:rPr lang="en-US" dirty="0">
+                <a:hlinkClick r:id="rId2"/>
+              </a:rPr>
+              <a:t>://</a:t>
+            </a:r>
+            <a:r>
+              <a:rPr lang="en-US" dirty="0" smtClean="0">
+                <a:hlinkClick r:id="rId2"/>
+              </a:rPr>
+              <a:t>github.com/paczulapiotr/BIAI_TravelingSalesman</a:t>
+            </a:r>
+            <a:endParaRPr lang="en-US" dirty="0" smtClean="0"/>
+          </a:p>
+          <a:p>
+            <a:pPr marL="0" indent="0">
+              <a:buNone/>
+            </a:pPr>
+            <a:r>
+              <a:rPr lang="en-US" dirty="0" smtClean="0"/>
+              <a:t>Demo:</a:t>
+            </a:r>
+            <a:endParaRPr lang="en-US" dirty="0"/>
+          </a:p>
+          <a:p>
+            <a:pPr>
+              <a:buFont typeface="Wingdings" panose="05000000000000000000" pitchFamily="2" charset="2"/>
+              <a:buChar char="Ø"/>
+            </a:pPr>
+            <a:r>
+              <a:rPr lang="en-US" dirty="0">
+                <a:hlinkClick r:id="rId3"/>
+              </a:rPr>
+              <a:t>https://</a:t>
+            </a:r>
+            <a:r>
+              <a:rPr lang="en-US" dirty="0" smtClean="0">
+                <a:hlinkClick r:id="rId3"/>
+              </a:rPr>
+              <a:t>salesman-biai.herokuapp.com</a:t>
+            </a:r>
+            <a:endParaRPr lang="en-US" dirty="0" smtClean="0"/>
+          </a:p>
+          <a:p>
+            <a:pPr marL="0" indent="0">
+              <a:buNone/>
+            </a:pPr>
+            <a:endParaRPr lang="en-US" dirty="0" smtClean="0"/>
+          </a:p>
+        </p:txBody>
+      </p:sp>
+    </p:spTree>
+    <p:extLst>
+      <p:ext uri="{BB962C8B-B14F-4D97-AF65-F5344CB8AC3E}">
+        <p14:creationId xmlns:p14="http://schemas.microsoft.com/office/powerpoint/2010/main" val="1094489797"/>
       </p:ext>
     </p:extLst>
   </p:cSld>
